--- a/pptxs/Milestone3.pptx
+++ b/pptxs/Milestone3.pptx
@@ -214,7 +214,7 @@
                 <a:uFillTx/>
               </a:defRPr>
             </a:pPr>
-            <a:endParaRPr lang="de-DE" sz="1200" b="0" i="0" u="none" strike="noStrike" kern="1200" cap="none" spc="0" baseline="0">
+            <a:endParaRPr lang="de-DE" sz="1200" b="0" i="0" u="none" strike="noStrike" kern="1200" cap="none" spc="0" baseline="0" dirty="0">
               <a:solidFill>
                 <a:srgbClr val="000000"/>
               </a:solidFill>
@@ -307,9 +307,9 @@
                   <a:uFillTx/>
                 </a:defRPr>
               </a:pPr>
-              <a:t>13.12.2021</a:t>
+              <a:t>15.12.2021</a:t>
             </a:fld>
-            <a:endParaRPr lang="de-DE" sz="1200" b="0" i="0" u="none" strike="noStrike" kern="1200" cap="none" spc="0" baseline="0">
+            <a:endParaRPr lang="de-DE" sz="1200" b="0" i="0" u="none" strike="noStrike" kern="1200" cap="none" spc="0" baseline="0" dirty="0">
               <a:solidFill>
                 <a:srgbClr val="000000"/>
               </a:solidFill>
@@ -374,7 +374,7 @@
                 <a:uFillTx/>
               </a:defRPr>
             </a:pPr>
-            <a:endParaRPr lang="de-DE" sz="1200" b="0" i="0" u="none" strike="noStrike" kern="1200" cap="none" spc="0" baseline="0">
+            <a:endParaRPr lang="de-DE" sz="1200" b="0" i="0" u="none" strike="noStrike" kern="1200" cap="none" spc="0" baseline="0" dirty="0">
               <a:solidFill>
                 <a:srgbClr val="000000"/>
               </a:solidFill>
@@ -442,7 +442,7 @@
             <a:fld id="{AFA01AE2-95D9-4C6A-8855-7CAA494855CE}" type="slidenum">
               <a:t>‹#›</a:t>
             </a:fld>
-            <a:endParaRPr lang="de-DE" sz="1200" b="0" i="0" u="none" strike="noStrike" kern="1200" cap="none" spc="0" baseline="0">
+            <a:endParaRPr lang="de-DE" sz="1200" b="0" i="0" u="none" strike="noStrike" kern="1200" cap="none" spc="0" baseline="0" dirty="0">
               <a:solidFill>
                 <a:srgbClr val="000000"/>
               </a:solidFill>
@@ -546,7 +546,7 @@
           </a:lstStyle>
           <a:p>
             <a:pPr lvl="0"/>
-            <a:endParaRPr lang="de-DE"/>
+            <a:endParaRPr lang="de-DE" dirty="0"/>
           </a:p>
         </p:txBody>
       </p:sp>
@@ -610,9 +610,9 @@
             <a:fld id="{869E5E11-4F13-4AE8-A82C-FA713D246ED7}" type="datetime1">
               <a:rPr lang="de-DE"/>
               <a:pPr lvl="0"/>
-              <a:t>13.12.2021</a:t>
+              <a:t>15.12.2021</a:t>
             </a:fld>
-            <a:endParaRPr lang="de-DE"/>
+            <a:endParaRPr lang="de-DE" dirty="0"/>
           </a:p>
         </p:txBody>
       </p:sp>
@@ -777,7 +777,7 @@
           </a:lstStyle>
           <a:p>
             <a:pPr lvl="0"/>
-            <a:endParaRPr lang="de-DE"/>
+            <a:endParaRPr lang="de-DE" dirty="0"/>
           </a:p>
         </p:txBody>
       </p:sp>
@@ -841,7 +841,7 @@
             <a:fld id="{87224A6C-3DCA-4BDF-B920-4C25C0F0FFCB}" type="slidenum">
               <a:t>‹#›</a:t>
             </a:fld>
-            <a:endParaRPr lang="de-DE"/>
+            <a:endParaRPr lang="de-DE" dirty="0"/>
           </a:p>
         </p:txBody>
       </p:sp>
@@ -1059,7 +1059,7 @@
           <a:bodyPr/>
           <a:lstStyle/>
           <a:p>
-            <a:endParaRPr lang="de-DE"/>
+            <a:endParaRPr lang="de-DE" dirty="0"/>
           </a:p>
         </p:txBody>
       </p:sp>
@@ -1116,7 +1116,7 @@
             <a:fld id="{D41FC2F0-BCDE-43DC-9D76-0F9632FE5382}" type="slidenum">
               <a:t>1</a:t>
             </a:fld>
-            <a:endParaRPr lang="de-DE" sz="1200" b="0" i="0" u="none" strike="noStrike" kern="1200" cap="none" spc="0" baseline="0">
+            <a:endParaRPr lang="de-DE" sz="1200" b="0" i="0" u="none" strike="noStrike" kern="1200" cap="none" spc="0" baseline="0" dirty="0">
               <a:solidFill>
                 <a:srgbClr val="000000"/>
               </a:solidFill>
@@ -1610,9 +1610,9 @@
             <a:fld id="{90F4E82A-9B65-4344-BF8F-BB56268B685D}" type="datetime1">
               <a:rPr lang="de-DE"/>
               <a:pPr lvl="0"/>
-              <a:t>13.12.2021</a:t>
+              <a:t>15.12.2021</a:t>
             </a:fld>
-            <a:endParaRPr lang="de-DE"/>
+            <a:endParaRPr lang="de-DE" dirty="0"/>
           </a:p>
         </p:txBody>
       </p:sp>
@@ -1673,7 +1673,7 @@
           </a:lstStyle>
           <a:p>
             <a:pPr lvl="0"/>
-            <a:endParaRPr lang="de-DE"/>
+            <a:endParaRPr lang="de-DE" dirty="0"/>
           </a:p>
         </p:txBody>
       </p:sp>
@@ -1737,7 +1737,7 @@
             <a:fld id="{18C044AE-7FB8-4F4A-9718-41A010C18D0B}" type="slidenum">
               <a:t>‹#›</a:t>
             </a:fld>
-            <a:endParaRPr lang="de-DE"/>
+            <a:endParaRPr lang="de-DE" dirty="0"/>
           </a:p>
         </p:txBody>
       </p:sp>
@@ -2966,7 +2966,7 @@
           <a:p>
             <a:pPr lvl="0"/>
             <a:r>
-              <a:rPr lang="de-DE"/>
+              <a:rPr lang="de-DE" dirty="0"/>
               <a:t>Bild durch Klicken auf Symbol hinzufügen</a:t>
             </a:r>
           </a:p>
@@ -3063,7 +3063,7 @@
                 <a:uFillTx/>
               </a:defRPr>
             </a:pPr>
-            <a:endParaRPr lang="de-DE" sz="1800" b="0" i="0" u="none" strike="noStrike" kern="1200" cap="none" spc="0" baseline="0">
+            <a:endParaRPr lang="de-DE" sz="1800" b="0" i="0" u="none" strike="noStrike" kern="1200" cap="none" spc="0" baseline="0" dirty="0">
               <a:solidFill>
                 <a:srgbClr val="000000"/>
               </a:solidFill>
@@ -3166,7 +3166,7 @@
                 <a:uFillTx/>
                 <a:latin typeface="StoneSansITCStd Medium" pitchFamily="50"/>
               </a:rPr>
-              <a:t>2. Milestone</a:t>
+              <a:t>3. Milestone</a:t>
             </a:r>
           </a:p>
         </p:txBody>
@@ -3781,15 +3781,7 @@
             </a:br>
             <a:r>
               <a:rPr lang="de-DE" sz="1600" dirty="0"/>
-              <a:t>Nader </a:t>
-            </a:r>
-            <a:r>
-              <a:rPr lang="de-DE" sz="1600" dirty="0" err="1"/>
-              <a:t>Jawhary</a:t>
-            </a:r>
-            <a:r>
-              <a:rPr lang="de-DE" sz="1600" dirty="0"/>
-              <a:t>, </a:t>
+              <a:t>Nader Jawhary, </a:t>
             </a:r>
             <a:br>
               <a:rPr lang="de-DE" sz="1600" dirty="0"/>
@@ -3846,7 +3838,7 @@
             </a:pPr>
             <a:r>
               <a:rPr lang="de-DE" sz="1800" dirty="0"/>
-              <a:t>02.12.2021</a:t>
+              <a:t>16.12.2021</a:t>
             </a:r>
           </a:p>
         </p:txBody>
@@ -3898,70 +3890,51 @@
           <a:lstStyle/>
           <a:p>
             <a:r>
-              <a:rPr lang="de-DE" sz="2000" dirty="0" err="1"/>
-              <a:t>Spiralling</a:t>
-            </a:r>
-            <a:r>
-              <a:rPr lang="de-DE" sz="2000" dirty="0"/>
-              <a:t> </a:t>
-            </a:r>
-            <a:r>
-              <a:rPr lang="de-DE" sz="2000" dirty="0" err="1"/>
-              <a:t>movement</a:t>
-            </a:r>
-            <a:r>
-              <a:rPr lang="de-DE" sz="2000" dirty="0"/>
-              <a:t> + </a:t>
-            </a:r>
-            <a:r>
-              <a:rPr lang="de-DE" sz="2000" dirty="0" err="1"/>
-              <a:t>finding</a:t>
-            </a:r>
-            <a:r>
-              <a:rPr lang="de-DE" sz="2000" dirty="0"/>
-              <a:t> </a:t>
-            </a:r>
-            <a:r>
-              <a:rPr lang="de-DE" sz="2000" dirty="0" err="1"/>
-              <a:t>task</a:t>
-            </a:r>
-            <a:endParaRPr lang="de-DE" sz="2000" dirty="0"/>
-          </a:p>
-          <a:p>
-            <a:endParaRPr lang="de-DE" sz="2000" dirty="0"/>
-          </a:p>
-          <a:p>
-            <a:r>
-              <a:rPr lang="de-DE" sz="2000" dirty="0" err="1"/>
-              <a:t>Accepting</a:t>
-            </a:r>
-            <a:r>
-              <a:rPr lang="de-DE" sz="2000" dirty="0"/>
-              <a:t> </a:t>
-            </a:r>
-            <a:r>
-              <a:rPr lang="de-DE" sz="2000" dirty="0" err="1"/>
-              <a:t>tasks</a:t>
-            </a:r>
-            <a:endParaRPr lang="de-DE" sz="2000" dirty="0"/>
-          </a:p>
-          <a:p>
-            <a:endParaRPr lang="de-DE" sz="2000" dirty="0"/>
-          </a:p>
-          <a:p>
-            <a:r>
-              <a:rPr lang="de-DE" sz="2000" dirty="0" err="1"/>
-              <a:t>Completing</a:t>
-            </a:r>
-            <a:r>
-              <a:rPr lang="de-DE" sz="2000" dirty="0"/>
-              <a:t> </a:t>
-            </a:r>
-            <a:r>
-              <a:rPr lang="de-DE" sz="2000" dirty="0" err="1"/>
-              <a:t>tasks</a:t>
-            </a:r>
-            <a:endParaRPr lang="de-DE" sz="2000" dirty="0"/>
+              <a:rPr lang="en-GB" sz="2000" dirty="0"/>
+              <a:t>Spiralling movement + finding task</a:t>
+            </a:r>
+          </a:p>
+          <a:p>
+            <a:endParaRPr lang="en-GB" sz="2000" dirty="0"/>
+          </a:p>
+          <a:p>
+            <a:r>
+              <a:rPr lang="en-GB" sz="2000" dirty="0"/>
+              <a:t>Accepting tasks</a:t>
+            </a:r>
+          </a:p>
+          <a:p>
+            <a:endParaRPr lang="en-GB" sz="2000" dirty="0"/>
+          </a:p>
+          <a:p>
+            <a:r>
+              <a:rPr lang="en-GB" sz="2000" dirty="0"/>
+              <a:t>Remembering POIs</a:t>
+            </a:r>
+          </a:p>
+          <a:p>
+            <a:pPr lvl="1"/>
+            <a:r>
+              <a:rPr lang="en-GB" sz="1800" dirty="0"/>
+              <a:t>Dispenser, </a:t>
+            </a:r>
+            <a:r>
+              <a:rPr lang="en-GB" sz="1800" dirty="0" err="1"/>
+              <a:t>taskboards</a:t>
+            </a:r>
+            <a:r>
+              <a:rPr lang="en-GB" sz="1800" dirty="0"/>
+              <a:t>/goal(not implemented yet)</a:t>
+            </a:r>
+          </a:p>
+          <a:p>
+            <a:endParaRPr lang="en-GB" sz="2000" dirty="0"/>
+          </a:p>
+          <a:p>
+            <a:r>
+              <a:rPr lang="en-GB" sz="2000" dirty="0"/>
+              <a:t>Completing tasks</a:t>
+            </a:r>
           </a:p>
         </p:txBody>
       </p:sp>
@@ -3987,14 +3960,9 @@
           <a:lstStyle/>
           <a:p>
             <a:r>
-              <a:rPr lang="de-DE" dirty="0"/>
-              <a:t>Brief </a:t>
-            </a:r>
-            <a:r>
-              <a:rPr lang="de-DE" dirty="0" err="1"/>
-              <a:t>Overview</a:t>
-            </a:r>
-            <a:endParaRPr lang="de-DE" dirty="0"/>
+              <a:rPr lang="en-GB" dirty="0"/>
+              <a:t>Brief Overview</a:t>
+            </a:r>
           </a:p>
         </p:txBody>
       </p:sp>
@@ -4012,7 +3980,7 @@
         </p:nvSpPr>
         <p:spPr>
           <a:xfrm>
-            <a:off x="2870946" y="2783541"/>
+            <a:off x="2809626" y="3892627"/>
             <a:ext cx="477371" cy="551330"/>
           </a:xfrm>
           <a:prstGeom prst="mathMultiply">
@@ -4133,6 +4101,56 @@
           <a:p>
             <a:pPr algn="ctr"/>
             <a:endParaRPr lang="en-GB"/>
+          </a:p>
+        </p:txBody>
+      </p:sp>
+      <p:sp>
+        <p:nvSpPr>
+          <p:cNvPr id="5" name="Diagonal Stripe 4">
+            <a:extLst>
+              <a:ext uri="{FF2B5EF4-FFF2-40B4-BE49-F238E27FC236}">
+                <a16:creationId xmlns:a16="http://schemas.microsoft.com/office/drawing/2014/main" id="{B83801B1-3BB8-420C-B75C-3D3F94F016F2}"/>
+              </a:ext>
+            </a:extLst>
+          </p:cNvPr>
+          <p:cNvSpPr/>
+          <p:nvPr/>
+        </p:nvSpPr>
+        <p:spPr>
+          <a:xfrm>
+            <a:off x="5835148" y="3207122"/>
+            <a:ext cx="605993" cy="484093"/>
+          </a:xfrm>
+          <a:prstGeom prst="diagStripe">
+            <a:avLst>
+              <a:gd name="adj" fmla="val 70000"/>
+            </a:avLst>
+          </a:prstGeom>
+        </p:spPr>
+        <p:style>
+          <a:lnRef idx="0">
+            <a:schemeClr val="accent4"/>
+          </a:lnRef>
+          <a:fillRef idx="3">
+            <a:schemeClr val="accent4"/>
+          </a:fillRef>
+          <a:effectRef idx="3">
+            <a:schemeClr val="accent4"/>
+          </a:effectRef>
+          <a:fontRef idx="minor">
+            <a:schemeClr val="lt1"/>
+          </a:fontRef>
+        </p:style>
+        <p:txBody>
+          <a:bodyPr rtlCol="0" anchor="ctr"/>
+          <a:lstStyle/>
+          <a:p>
+            <a:pPr algn="ctr"/>
+            <a:endParaRPr lang="en-GB">
+              <a:solidFill>
+                <a:schemeClr val="tx1"/>
+              </a:solidFill>
+            </a:endParaRPr>
           </a:p>
         </p:txBody>
       </p:sp>
@@ -4197,10 +4215,49 @@
       </p:sp>
       <p:pic>
         <p:nvPicPr>
-          <p:cNvPr id="6" name="Picture 5">
-            <a:extLst>
-              <a:ext uri="{FF2B5EF4-FFF2-40B4-BE49-F238E27FC236}">
-                <a16:creationId xmlns:a16="http://schemas.microsoft.com/office/drawing/2014/main" id="{473F87B2-1DE9-49F2-84D5-5E12E1FB10F5}"/>
+          <p:cNvPr id="4" name="PiB_codebsp1">
+            <a:hlinkClick r:id="" action="ppaction://media"/>
+            <a:extLst>
+              <a:ext uri="{FF2B5EF4-FFF2-40B4-BE49-F238E27FC236}">
+                <a16:creationId xmlns:a16="http://schemas.microsoft.com/office/drawing/2014/main" id="{2391649F-1FB8-40BA-B898-B31BEF7B01EC}"/>
+              </a:ext>
+            </a:extLst>
+          </p:cNvPr>
+          <p:cNvPicPr>
+            <a:picLocks noChangeAspect="1"/>
+          </p:cNvPicPr>
+          <p:nvPr>
+            <a:videoFile r:link="rId1"/>
+            <p:extLst>
+              <p:ext uri="{DAA4B4D4-6D71-4841-9C94-3DE7FCFB9230}">
+                <p14:media xmlns:p14="http://schemas.microsoft.com/office/powerpoint/2010/main" r:embed="rId2">
+                  <p14:trim st="5058"/>
+                </p14:media>
+              </p:ext>
+            </p:extLst>
+          </p:nvPr>
+        </p:nvPicPr>
+        <p:blipFill rotWithShape="1">
+          <a:blip r:embed="rId4"/>
+          <a:srcRect t="8211" r="2873"/>
+          <a:stretch/>
+        </p:blipFill>
+        <p:spPr>
+          <a:xfrm>
+            <a:off x="3365424" y="2064124"/>
+            <a:ext cx="5207076" cy="2767968"/>
+          </a:xfrm>
+          <a:prstGeom prst="rect">
+            <a:avLst/>
+          </a:prstGeom>
+        </p:spPr>
+      </p:pic>
+      <p:pic>
+        <p:nvPicPr>
+          <p:cNvPr id="5" name="Picture 4">
+            <a:extLst>
+              <a:ext uri="{FF2B5EF4-FFF2-40B4-BE49-F238E27FC236}">
+                <a16:creationId xmlns:a16="http://schemas.microsoft.com/office/drawing/2014/main" id="{B091D4AF-CA63-4614-92DF-6B96379F4F6E}"/>
               </a:ext>
             </a:extLst>
           </p:cNvPr>
@@ -4210,440 +4267,51 @@
           <p:nvPr/>
         </p:nvPicPr>
         <p:blipFill>
-          <a:blip r:embed="rId2"/>
+          <a:blip r:embed="rId5"/>
           <a:stretch>
             <a:fillRect/>
           </a:stretch>
         </p:blipFill>
         <p:spPr>
           <a:xfrm>
-            <a:off x="919296" y="1450709"/>
-            <a:ext cx="2307053" cy="3098043"/>
+            <a:off x="922493" y="1221601"/>
+            <a:ext cx="2160574" cy="3866290"/>
           </a:xfrm>
           <a:prstGeom prst="rect">
             <a:avLst/>
           </a:prstGeom>
         </p:spPr>
       </p:pic>
-      <p:sp>
-        <p:nvSpPr>
-          <p:cNvPr id="7" name="TextBox 6">
-            <a:extLst>
-              <a:ext uri="{FF2B5EF4-FFF2-40B4-BE49-F238E27FC236}">
-                <a16:creationId xmlns:a16="http://schemas.microsoft.com/office/drawing/2014/main" id="{8685100A-9329-497C-84DF-9F09D7EBB3E6}"/>
-              </a:ext>
-            </a:extLst>
-          </p:cNvPr>
-          <p:cNvSpPr txBox="1"/>
+      <p:pic>
+        <p:nvPicPr>
+          <p:cNvPr id="9" name="Picture 8">
+            <a:extLst>
+              <a:ext uri="{FF2B5EF4-FFF2-40B4-BE49-F238E27FC236}">
+                <a16:creationId xmlns:a16="http://schemas.microsoft.com/office/drawing/2014/main" id="{B504BFE8-EFCE-4B8F-8064-E080F0E9C1D6}"/>
+              </a:ext>
+            </a:extLst>
+          </p:cNvPr>
+          <p:cNvPicPr>
+            <a:picLocks noChangeAspect="1"/>
+          </p:cNvPicPr>
           <p:nvPr/>
-        </p:nvSpPr>
+        </p:nvPicPr>
+        <p:blipFill>
+          <a:blip r:embed="rId6"/>
+          <a:stretch>
+            <a:fillRect/>
+          </a:stretch>
+        </p:blipFill>
         <p:spPr>
           <a:xfrm>
-            <a:off x="4200939" y="311408"/>
-            <a:ext cx="3332922" cy="4832092"/>
+            <a:off x="4504765" y="107577"/>
+            <a:ext cx="3804186" cy="1760070"/>
           </a:xfrm>
           <a:prstGeom prst="rect">
             <a:avLst/>
           </a:prstGeom>
-          <a:noFill/>
         </p:spPr>
-        <p:txBody>
-          <a:bodyPr wrap="square" rtlCol="0">
-            <a:spAutoFit/>
-          </a:bodyPr>
-          <a:lstStyle/>
-          <a:p>
-            <a:r>
-              <a:rPr lang="en-GB" sz="1100" dirty="0" err="1"/>
-              <a:t>lastdirection</a:t>
-            </a:r>
-            <a:r>
-              <a:rPr lang="en-GB" sz="1100" dirty="0"/>
-              <a:t>(</a:t>
-            </a:r>
-            <a:r>
-              <a:rPr lang="en-GB" sz="1100" dirty="0" err="1"/>
-              <a:t>nw</a:t>
-            </a:r>
-            <a:r>
-              <a:rPr lang="en-GB" sz="1100" dirty="0"/>
-              <a:t>).    // </a:t>
-            </a:r>
-            <a:r>
-              <a:rPr lang="en-GB" sz="1100" dirty="0" err="1"/>
-              <a:t>init</a:t>
-            </a:r>
-            <a:endParaRPr lang="en-GB" sz="1100" dirty="0"/>
-          </a:p>
-          <a:p>
-            <a:r>
-              <a:rPr lang="en-GB" sz="1100" dirty="0" err="1"/>
-              <a:t>distcount</a:t>
-            </a:r>
-            <a:r>
-              <a:rPr lang="en-GB" sz="1100" dirty="0"/>
-              <a:t>(1).         // </a:t>
-            </a:r>
-            <a:r>
-              <a:rPr lang="en-GB" sz="1100" dirty="0" err="1"/>
-              <a:t>init</a:t>
-            </a:r>
-            <a:endParaRPr lang="en-GB" sz="1100" dirty="0"/>
-          </a:p>
-          <a:p>
-            <a:br>
-              <a:rPr lang="en-GB" sz="1100" dirty="0"/>
-            </a:br>
-            <a:endParaRPr lang="en-GB" sz="1100" dirty="0"/>
-          </a:p>
-          <a:p>
-            <a:r>
-              <a:rPr lang="en-GB" sz="1100" dirty="0"/>
-              <a:t>+!spiral: searching(true) &lt;- </a:t>
-            </a:r>
-          </a:p>
-          <a:p>
-            <a:r>
-              <a:rPr lang="en-GB" sz="1100" dirty="0"/>
-              <a:t>    -+searching(false);</a:t>
-            </a:r>
-          </a:p>
-          <a:p>
-            <a:r>
-              <a:rPr lang="en-GB" sz="1100" dirty="0"/>
-              <a:t>    ?</a:t>
-            </a:r>
-            <a:r>
-              <a:rPr lang="en-GB" sz="1100" dirty="0" err="1"/>
-              <a:t>myposition</a:t>
-            </a:r>
-            <a:r>
-              <a:rPr lang="en-GB" sz="1100" dirty="0"/>
-              <a:t>(X,Y);</a:t>
-            </a:r>
-          </a:p>
-          <a:p>
-            <a:r>
-              <a:rPr lang="en-GB" sz="1100" dirty="0"/>
-              <a:t>    </a:t>
-            </a:r>
-          </a:p>
-          <a:p>
-            <a:r>
-              <a:rPr lang="en-GB" sz="1100" dirty="0"/>
-              <a:t>    ?</a:t>
-            </a:r>
-            <a:r>
-              <a:rPr lang="en-GB" sz="1100" dirty="0" err="1"/>
-              <a:t>lastdirection</a:t>
-            </a:r>
-            <a:r>
-              <a:rPr lang="en-GB" sz="1100" dirty="0"/>
-              <a:t>(</a:t>
-            </a:r>
-            <a:r>
-              <a:rPr lang="en-GB" sz="1100" dirty="0" err="1"/>
-              <a:t>dir</a:t>
-            </a:r>
-            <a:r>
-              <a:rPr lang="en-GB" sz="1100" dirty="0"/>
-              <a:t>);</a:t>
-            </a:r>
-          </a:p>
-          <a:p>
-            <a:r>
-              <a:rPr lang="en-GB" sz="1100" dirty="0"/>
-              <a:t>    ?</a:t>
-            </a:r>
-            <a:r>
-              <a:rPr lang="en-GB" sz="1100" dirty="0" err="1"/>
-              <a:t>distcount</a:t>
-            </a:r>
-            <a:r>
-              <a:rPr lang="en-GB" sz="1100" dirty="0"/>
-              <a:t>(</a:t>
-            </a:r>
-            <a:r>
-              <a:rPr lang="en-GB" sz="1100" dirty="0" err="1"/>
-              <a:t>dist</a:t>
-            </a:r>
-            <a:r>
-              <a:rPr lang="en-GB" sz="1100" dirty="0"/>
-              <a:t>);</a:t>
-            </a:r>
-          </a:p>
-          <a:p>
-            <a:r>
-              <a:rPr lang="en-GB" sz="1100" dirty="0"/>
-              <a:t>    if (</a:t>
-            </a:r>
-            <a:r>
-              <a:rPr lang="en-GB" sz="1100" dirty="0" err="1"/>
-              <a:t>dir</a:t>
-            </a:r>
-            <a:r>
-              <a:rPr lang="en-GB" sz="1100" dirty="0"/>
-              <a:t> = </a:t>
-            </a:r>
-            <a:r>
-              <a:rPr lang="en-GB" sz="1100" dirty="0" err="1"/>
-              <a:t>nw</a:t>
-            </a:r>
-            <a:r>
-              <a:rPr lang="en-GB" sz="1100" dirty="0"/>
-              <a:t>){</a:t>
-            </a:r>
-          </a:p>
-          <a:p>
-            <a:r>
-              <a:rPr lang="en-GB" sz="1100" dirty="0"/>
-              <a:t>        !</a:t>
-            </a:r>
-            <a:r>
-              <a:rPr lang="en-GB" sz="1100" dirty="0" err="1"/>
-              <a:t>goto</a:t>
-            </a:r>
-            <a:r>
-              <a:rPr lang="en-GB" sz="1100" dirty="0"/>
-              <a:t>(X+5*dist,Y+5*</a:t>
-            </a:r>
-            <a:r>
-              <a:rPr lang="en-GB" sz="1100" dirty="0" err="1"/>
-              <a:t>dist</a:t>
-            </a:r>
-            <a:r>
-              <a:rPr lang="en-GB" sz="1100" dirty="0"/>
-              <a:t>);</a:t>
-            </a:r>
-          </a:p>
-          <a:p>
-            <a:r>
-              <a:rPr lang="en-GB" sz="1100" dirty="0"/>
-              <a:t>        -+</a:t>
-            </a:r>
-            <a:r>
-              <a:rPr lang="en-GB" sz="1100" dirty="0" err="1"/>
-              <a:t>lastdirection</a:t>
-            </a:r>
-            <a:r>
-              <a:rPr lang="en-GB" sz="1100" dirty="0"/>
-              <a:t>(ne);</a:t>
-            </a:r>
-          </a:p>
-          <a:p>
-            <a:r>
-              <a:rPr lang="en-GB" sz="1100" dirty="0"/>
-              <a:t>    }</a:t>
-            </a:r>
-          </a:p>
-          <a:p>
-            <a:r>
-              <a:rPr lang="en-GB" sz="1100" dirty="0"/>
-              <a:t>    if (</a:t>
-            </a:r>
-            <a:r>
-              <a:rPr lang="en-GB" sz="1100" dirty="0" err="1"/>
-              <a:t>dir</a:t>
-            </a:r>
-            <a:r>
-              <a:rPr lang="en-GB" sz="1100" dirty="0"/>
-              <a:t> = ne){</a:t>
-            </a:r>
-          </a:p>
-          <a:p>
-            <a:r>
-              <a:rPr lang="en-GB" sz="1100" dirty="0"/>
-              <a:t>        !</a:t>
-            </a:r>
-            <a:r>
-              <a:rPr lang="en-GB" sz="1100" dirty="0" err="1"/>
-              <a:t>goto</a:t>
-            </a:r>
-            <a:r>
-              <a:rPr lang="en-GB" sz="1100" dirty="0"/>
-              <a:t>(X+5*dist,Y-5*</a:t>
-            </a:r>
-            <a:r>
-              <a:rPr lang="en-GB" sz="1100" dirty="0" err="1"/>
-              <a:t>dist</a:t>
-            </a:r>
-            <a:r>
-              <a:rPr lang="en-GB" sz="1100" dirty="0"/>
-              <a:t>);</a:t>
-            </a:r>
-          </a:p>
-          <a:p>
-            <a:r>
-              <a:rPr lang="en-GB" sz="1100" dirty="0"/>
-              <a:t>        -+</a:t>
-            </a:r>
-            <a:r>
-              <a:rPr lang="en-GB" sz="1100" dirty="0" err="1"/>
-              <a:t>lastdirection</a:t>
-            </a:r>
-            <a:r>
-              <a:rPr lang="en-GB" sz="1100" dirty="0"/>
-              <a:t>(se);</a:t>
-            </a:r>
-          </a:p>
-          <a:p>
-            <a:r>
-              <a:rPr lang="en-GB" sz="1100" dirty="0"/>
-              <a:t>    }</a:t>
-            </a:r>
-          </a:p>
-          <a:p>
-            <a:r>
-              <a:rPr lang="en-GB" sz="1100" dirty="0"/>
-              <a:t>    if (</a:t>
-            </a:r>
-            <a:r>
-              <a:rPr lang="en-GB" sz="1100" dirty="0" err="1"/>
-              <a:t>dir</a:t>
-            </a:r>
-            <a:r>
-              <a:rPr lang="en-GB" sz="1100" dirty="0"/>
-              <a:t> = se){</a:t>
-            </a:r>
-          </a:p>
-          <a:p>
-            <a:r>
-              <a:rPr lang="en-GB" sz="1100" dirty="0"/>
-              <a:t>        !</a:t>
-            </a:r>
-            <a:r>
-              <a:rPr lang="en-GB" sz="1100" dirty="0" err="1"/>
-              <a:t>goto</a:t>
-            </a:r>
-            <a:r>
-              <a:rPr lang="en-GB" sz="1100" dirty="0"/>
-              <a:t>(X-5*dist,Y-5*</a:t>
-            </a:r>
-            <a:r>
-              <a:rPr lang="en-GB" sz="1100" dirty="0" err="1"/>
-              <a:t>dist</a:t>
-            </a:r>
-            <a:r>
-              <a:rPr lang="en-GB" sz="1100" dirty="0"/>
-              <a:t>);</a:t>
-            </a:r>
-          </a:p>
-          <a:p>
-            <a:r>
-              <a:rPr lang="en-GB" sz="1100" dirty="0"/>
-              <a:t>        -+</a:t>
-            </a:r>
-            <a:r>
-              <a:rPr lang="en-GB" sz="1100" dirty="0" err="1"/>
-              <a:t>lastdirection</a:t>
-            </a:r>
-            <a:r>
-              <a:rPr lang="en-GB" sz="1100" dirty="0"/>
-              <a:t>(</a:t>
-            </a:r>
-            <a:r>
-              <a:rPr lang="en-GB" sz="1100" dirty="0" err="1"/>
-              <a:t>sw</a:t>
-            </a:r>
-            <a:r>
-              <a:rPr lang="en-GB" sz="1100" dirty="0"/>
-              <a:t>);</a:t>
-            </a:r>
-          </a:p>
-          <a:p>
-            <a:r>
-              <a:rPr lang="en-GB" sz="1100" dirty="0"/>
-              <a:t>    }</a:t>
-            </a:r>
-          </a:p>
-          <a:p>
-            <a:r>
-              <a:rPr lang="en-GB" sz="1100" dirty="0"/>
-              <a:t>    if (</a:t>
-            </a:r>
-            <a:r>
-              <a:rPr lang="en-GB" sz="1100" dirty="0" err="1"/>
-              <a:t>dir</a:t>
-            </a:r>
-            <a:r>
-              <a:rPr lang="en-GB" sz="1100" dirty="0"/>
-              <a:t> = </a:t>
-            </a:r>
-            <a:r>
-              <a:rPr lang="en-GB" sz="1100" dirty="0" err="1"/>
-              <a:t>sw</a:t>
-            </a:r>
-            <a:r>
-              <a:rPr lang="en-GB" sz="1100" dirty="0"/>
-              <a:t>){</a:t>
-            </a:r>
-          </a:p>
-          <a:p>
-            <a:r>
-              <a:rPr lang="en-GB" sz="1100" dirty="0"/>
-              <a:t>        -+</a:t>
-            </a:r>
-            <a:r>
-              <a:rPr lang="en-GB" sz="1100" dirty="0" err="1"/>
-              <a:t>distcount</a:t>
-            </a:r>
-            <a:r>
-              <a:rPr lang="en-GB" sz="1100" dirty="0"/>
-              <a:t>(dist+1);</a:t>
-            </a:r>
-          </a:p>
-          <a:p>
-            <a:r>
-              <a:rPr lang="en-GB" sz="1100" dirty="0"/>
-              <a:t>        !</a:t>
-            </a:r>
-            <a:r>
-              <a:rPr lang="en-GB" sz="1100" dirty="0" err="1"/>
-              <a:t>goto</a:t>
-            </a:r>
-            <a:r>
-              <a:rPr lang="en-GB" sz="1100" dirty="0"/>
-              <a:t>(X-5*dist,Y+5*</a:t>
-            </a:r>
-            <a:r>
-              <a:rPr lang="en-GB" sz="1100" dirty="0" err="1"/>
-              <a:t>dist</a:t>
-            </a:r>
-            <a:r>
-              <a:rPr lang="en-GB" sz="1100" dirty="0"/>
-              <a:t>);</a:t>
-            </a:r>
-          </a:p>
-          <a:p>
-            <a:r>
-              <a:rPr lang="en-GB" sz="1100" dirty="0"/>
-              <a:t>        -+</a:t>
-            </a:r>
-            <a:r>
-              <a:rPr lang="en-GB" sz="1100" dirty="0" err="1"/>
-              <a:t>lastdirection</a:t>
-            </a:r>
-            <a:r>
-              <a:rPr lang="en-GB" sz="1100" dirty="0"/>
-              <a:t>(</a:t>
-            </a:r>
-            <a:r>
-              <a:rPr lang="en-GB" sz="1100" dirty="0" err="1"/>
-              <a:t>nw</a:t>
-            </a:r>
-            <a:r>
-              <a:rPr lang="en-GB" sz="1100" dirty="0"/>
-              <a:t>);</a:t>
-            </a:r>
-          </a:p>
-          <a:p>
-            <a:r>
-              <a:rPr lang="en-GB" sz="1100" dirty="0"/>
-              <a:t>    }</a:t>
-            </a:r>
-          </a:p>
-        </p:txBody>
-      </p:sp>
+      </p:pic>
     </p:spTree>
     <p:extLst>
       <p:ext uri="{BB962C8B-B14F-4D97-AF65-F5344CB8AC3E}">
@@ -4654,6 +4322,141 @@
   <p:clrMapOvr>
     <a:masterClrMapping/>
   </p:clrMapOvr>
+  <p:timing>
+    <p:tnLst>
+      <p:par>
+        <p:cTn id="1" dur="indefinite" restart="never" nodeType="tmRoot">
+          <p:childTnLst>
+            <p:seq concurrent="1" nextAc="seek">
+              <p:cTn id="2" dur="indefinite" nodeType="mainSeq">
+                <p:childTnLst>
+                  <p:par>
+                    <p:cTn id="3" fill="hold">
+                      <p:stCondLst>
+                        <p:cond delay="indefinite"/>
+                      </p:stCondLst>
+                      <p:childTnLst>
+                        <p:par>
+                          <p:cTn id="4" fill="hold">
+                            <p:stCondLst>
+                              <p:cond delay="0"/>
+                            </p:stCondLst>
+                            <p:childTnLst>
+                              <p:par>
+                                <p:cTn id="5" presetID="1" presetClass="mediacall" presetSubtype="0" fill="hold" nodeType="clickEffect">
+                                  <p:stCondLst>
+                                    <p:cond delay="0"/>
+                                  </p:stCondLst>
+                                  <p:childTnLst>
+                                    <p:cmd type="call" cmd="playFrom(0.0)">
+                                      <p:cBhvr>
+                                        <p:cTn id="6" dur="16552" fill="hold"/>
+                                        <p:tgtEl>
+                                          <p:spTgt spid="4"/>
+                                        </p:tgtEl>
+                                      </p:cBhvr>
+                                    </p:cmd>
+                                  </p:childTnLst>
+                                </p:cTn>
+                              </p:par>
+                            </p:childTnLst>
+                          </p:cTn>
+                        </p:par>
+                      </p:childTnLst>
+                    </p:cTn>
+                  </p:par>
+                </p:childTnLst>
+              </p:cTn>
+              <p:prevCondLst>
+                <p:cond evt="onPrev" delay="0">
+                  <p:tgtEl>
+                    <p:sldTgt/>
+                  </p:tgtEl>
+                </p:cond>
+              </p:prevCondLst>
+              <p:nextCondLst>
+                <p:cond evt="onNext" delay="0">
+                  <p:tgtEl>
+                    <p:sldTgt/>
+                  </p:tgtEl>
+                </p:cond>
+              </p:nextCondLst>
+            </p:seq>
+            <p:video>
+              <p:cMediaNode vol="80000" mute="1">
+                <p:cTn id="7" fill="hold" display="0">
+                  <p:stCondLst>
+                    <p:cond delay="indefinite"/>
+                  </p:stCondLst>
+                </p:cTn>
+                <p:tgtEl>
+                  <p:spTgt spid="4"/>
+                </p:tgtEl>
+              </p:cMediaNode>
+            </p:video>
+            <p:seq concurrent="1" nextAc="seek">
+              <p:cTn id="8" restart="whenNotActive" fill="hold" evtFilter="cancelBubble" nodeType="interactiveSeq">
+                <p:stCondLst>
+                  <p:cond evt="onClick" delay="0">
+                    <p:tgtEl>
+                      <p:spTgt spid="4"/>
+                    </p:tgtEl>
+                  </p:cond>
+                </p:stCondLst>
+                <p:endSync evt="end" delay="0">
+                  <p:rtn val="all"/>
+                </p:endSync>
+                <p:childTnLst>
+                  <p:par>
+                    <p:cTn id="9" fill="hold">
+                      <p:stCondLst>
+                        <p:cond delay="0"/>
+                      </p:stCondLst>
+                      <p:childTnLst>
+                        <p:par>
+                          <p:cTn id="10" fill="hold">
+                            <p:stCondLst>
+                              <p:cond delay="0"/>
+                            </p:stCondLst>
+                            <p:childTnLst>
+                              <p:par>
+                                <p:cTn id="11" presetID="2" presetClass="mediacall" presetSubtype="0" fill="hold" nodeType="clickEffect">
+                                  <p:stCondLst>
+                                    <p:cond delay="0"/>
+                                  </p:stCondLst>
+                                  <p:childTnLst>
+                                    <p:cmd type="call" cmd="togglePause">
+                                      <p:cBhvr>
+                                        <p:cTn id="12" dur="1" fill="hold"/>
+                                        <p:tgtEl>
+                                          <p:spTgt spid="4"/>
+                                        </p:tgtEl>
+                                      </p:cBhvr>
+                                    </p:cmd>
+                                  </p:childTnLst>
+                                </p:cTn>
+                              </p:par>
+                            </p:childTnLst>
+                          </p:cTn>
+                        </p:par>
+                      </p:childTnLst>
+                    </p:cTn>
+                  </p:par>
+                </p:childTnLst>
+              </p:cTn>
+              <p:nextCondLst>
+                <p:cond evt="onClick" delay="0">
+                  <p:tgtEl>
+                    <p:spTgt spid="4"/>
+                  </p:tgtEl>
+                </p:cond>
+              </p:nextCondLst>
+            </p:seq>
+          </p:childTnLst>
+        </p:cTn>
+      </p:par>
+    </p:tnLst>
+  </p:timing>
 </p:sld>
 </file>
 
@@ -4696,56 +4499,43 @@
           <a:lstStyle/>
           <a:p>
             <a:r>
-              <a:rPr lang="de-DE" dirty="0"/>
-              <a:t>Normal ausführen funktioniert ab und zu nicht, aber bei debugg (fast)immer. Sind unsere </a:t>
-            </a:r>
-            <a:r>
-              <a:rPr lang="de-DE" dirty="0" err="1"/>
-              <a:t>Überlegunszeit</a:t>
-            </a:r>
-            <a:r>
-              <a:rPr lang="de-DE" dirty="0"/>
-              <a:t> zu lang?</a:t>
+              <a:rPr lang="en-GB" sz="2400" dirty="0"/>
+              <a:t>Position counter not working</a:t>
             </a:r>
           </a:p>
           <a:p>
             <a:pPr lvl="1"/>
             <a:r>
-              <a:rPr lang="de-DE" dirty="0"/>
-              <a:t>Agent wartet ~15 </a:t>
-            </a:r>
-            <a:r>
-              <a:rPr lang="de-DE" dirty="0" err="1"/>
-              <a:t>cycles</a:t>
-            </a:r>
-            <a:r>
-              <a:rPr lang="de-DE" dirty="0"/>
-              <a:t>, ohne was zu tun, arbeitet aber danach weiter.</a:t>
-            </a:r>
-          </a:p>
-          <a:p>
-            <a:endParaRPr lang="de-DE" dirty="0"/>
-          </a:p>
-          <a:p>
-            <a:endParaRPr lang="de-DE" dirty="0"/>
-          </a:p>
-          <a:p>
-            <a:pPr marL="0" indent="0">
-              <a:buNone/>
-            </a:pPr>
-            <a:endParaRPr lang="de-DE" dirty="0"/>
-          </a:p>
-          <a:p>
-            <a:endParaRPr lang="en-US" dirty="0"/>
-          </a:p>
-          <a:p>
-            <a:endParaRPr lang="en-US" dirty="0"/>
-          </a:p>
-          <a:p>
-            <a:endParaRPr lang="en-US" dirty="0"/>
-          </a:p>
-          <a:p>
-            <a:endParaRPr lang="en-US" dirty="0"/>
+              <a:rPr lang="en-GB" sz="2000" dirty="0"/>
+              <a:t>Leads to the agent thinking it has a different position, than true position</a:t>
+            </a:r>
+          </a:p>
+          <a:p>
+            <a:r>
+              <a:rPr lang="en-GB" sz="2400" dirty="0"/>
+              <a:t>Running the program in normal mode, only works some of the time, but in debug mode it works (almost) every time</a:t>
+            </a:r>
+          </a:p>
+          <a:p>
+            <a:r>
+              <a:rPr lang="en-GB" sz="2400" dirty="0"/>
+              <a:t>The agent waits for several cycles before doing an action, afterwards it continues to work like normal for a while</a:t>
+            </a:r>
+          </a:p>
+          <a:p>
+            <a:r>
+              <a:rPr lang="en-GB" sz="2400" dirty="0"/>
+              <a:t>Not able to overwrite Variables</a:t>
+            </a:r>
+          </a:p>
+          <a:p>
+            <a:endParaRPr lang="en-GB" dirty="0"/>
+          </a:p>
+          <a:p>
+            <a:endParaRPr lang="en-GB" dirty="0"/>
+          </a:p>
+          <a:p>
+            <a:endParaRPr lang="en-GB" dirty="0"/>
           </a:p>
         </p:txBody>
       </p:sp>
@@ -4771,10 +4561,9 @@
           <a:lstStyle/>
           <a:p>
             <a:r>
-              <a:rPr lang="de-DE" dirty="0"/>
-              <a:t>Problems</a:t>
-            </a:r>
-            <a:endParaRPr lang="en-US" dirty="0"/>
+              <a:rPr lang="en-GB" dirty="0"/>
+              <a:t>Problems encountered</a:t>
+            </a:r>
           </a:p>
         </p:txBody>
       </p:sp>
@@ -4859,13 +4648,289 @@
           </a:lstStyle>
           <a:p>
             <a:r>
-              <a:rPr lang="en-GB"/>
-              <a:t>Problems</a:t>
-            </a:r>
-            <a:endParaRPr lang="en-GB" dirty="0"/>
+              <a:rPr lang="en-GB" dirty="0"/>
+              <a:t>Problems solved</a:t>
+            </a:r>
           </a:p>
         </p:txBody>
       </p:sp>
+      <p:sp>
+        <p:nvSpPr>
+          <p:cNvPr id="4" name="Content Placeholder 1">
+            <a:extLst>
+              <a:ext uri="{FF2B5EF4-FFF2-40B4-BE49-F238E27FC236}">
+                <a16:creationId xmlns:a16="http://schemas.microsoft.com/office/drawing/2014/main" id="{FD43C7DF-DAB9-407E-8F01-ED7EDC36C844}"/>
+              </a:ext>
+            </a:extLst>
+          </p:cNvPr>
+          <p:cNvSpPr txBox="1">
+            <a:spLocks/>
+          </p:cNvSpPr>
+          <p:nvPr/>
+        </p:nvSpPr>
+        <p:spPr>
+          <a:xfrm>
+            <a:off x="472705" y="1283497"/>
+            <a:ext cx="7923211" cy="3394472"/>
+          </a:xfrm>
+          <a:prstGeom prst="rect">
+            <a:avLst/>
+          </a:prstGeom>
+          <a:noFill/>
+          <a:ln>
+            <a:noFill/>
+          </a:ln>
+        </p:spPr>
+        <p:txBody>
+          <a:bodyPr vert="horz" wrap="square" lIns="91440" tIns="45720" rIns="91440" bIns="45720" anchor="t" anchorCtr="0" compatLnSpc="1">
+            <a:noAutofit/>
+          </a:bodyPr>
+          <a:lstStyle>
+            <a:lvl1pPr marL="268284" marR="0" lvl="0" indent="-268284" algn="l" defTabSz="914400" rtl="0" fontAlgn="auto" hangingPunct="1">
+              <a:lnSpc>
+                <a:spcPct val="100000"/>
+              </a:lnSpc>
+              <a:spcBef>
+                <a:spcPts val="700"/>
+              </a:spcBef>
+              <a:spcAft>
+                <a:spcPts val="0"/>
+              </a:spcAft>
+              <a:buClr>
+                <a:srgbClr val="008C4F"/>
+              </a:buClr>
+              <a:buSzPct val="110000"/>
+              <a:buFont typeface="Wingdings" pitchFamily="2"/>
+              <a:buChar char="§"/>
+              <a:tabLst/>
+              <a:defRPr lang="de-DE" sz="2800" b="0" i="0" u="none" strike="noStrike" kern="1200" cap="none" spc="0" baseline="0">
+                <a:solidFill>
+                  <a:srgbClr val="000000"/>
+                </a:solidFill>
+                <a:uFillTx/>
+                <a:latin typeface="StoneSansITCStd Medium" pitchFamily="50"/>
+                <a:ea typeface="Arial Unicode MS" pitchFamily="34"/>
+                <a:cs typeface="Arial Unicode MS" pitchFamily="34"/>
+              </a:defRPr>
+            </a:lvl1pPr>
+            <a:lvl2pPr marL="536579" marR="0" lvl="1" indent="-282577" algn="l" defTabSz="914400" rtl="0" fontAlgn="auto" hangingPunct="1">
+              <a:lnSpc>
+                <a:spcPct val="100000"/>
+              </a:lnSpc>
+              <a:spcBef>
+                <a:spcPts val="600"/>
+              </a:spcBef>
+              <a:spcAft>
+                <a:spcPts val="0"/>
+              </a:spcAft>
+              <a:buSzPct val="100000"/>
+              <a:buFont typeface="Wingdings" pitchFamily="2"/>
+              <a:buChar char="§"/>
+              <a:tabLst/>
+              <a:defRPr lang="de-DE" sz="2600" b="0" i="0" u="none" strike="noStrike" kern="1200" cap="none" spc="0" baseline="0">
+                <a:solidFill>
+                  <a:srgbClr val="000000"/>
+                </a:solidFill>
+                <a:uFillTx/>
+                <a:latin typeface="StoneSansITCStd Medium" pitchFamily="50"/>
+              </a:defRPr>
+            </a:lvl2pPr>
+            <a:lvl3pPr marL="804864" marR="0" lvl="2" indent="-268284" algn="l" defTabSz="914400" rtl="0" fontAlgn="auto" hangingPunct="1">
+              <a:lnSpc>
+                <a:spcPct val="100000"/>
+              </a:lnSpc>
+              <a:spcBef>
+                <a:spcPts val="600"/>
+              </a:spcBef>
+              <a:spcAft>
+                <a:spcPts val="0"/>
+              </a:spcAft>
+              <a:buClr>
+                <a:srgbClr val="7F7F7F"/>
+              </a:buClr>
+              <a:buSzPct val="100000"/>
+              <a:buFont typeface="Wingdings" pitchFamily="2"/>
+              <a:buChar char="§"/>
+              <a:tabLst/>
+              <a:defRPr lang="de-DE" sz="2400" b="0" i="0" u="none" strike="noStrike" kern="1200" cap="none" spc="0" baseline="0">
+                <a:solidFill>
+                  <a:srgbClr val="000000"/>
+                </a:solidFill>
+                <a:uFillTx/>
+                <a:latin typeface="StoneSansITCStd Medium" pitchFamily="50"/>
+                <a:ea typeface="Arial Unicode MS" pitchFamily="34"/>
+                <a:cs typeface="Arial Unicode MS" pitchFamily="34"/>
+              </a:defRPr>
+            </a:lvl3pPr>
+            <a:lvl4pPr marL="1071567" marR="0" lvl="3" indent="-228600" algn="l" defTabSz="914400" rtl="0" fontAlgn="auto" hangingPunct="1">
+              <a:lnSpc>
+                <a:spcPct val="100000"/>
+              </a:lnSpc>
+              <a:spcBef>
+                <a:spcPts val="500"/>
+              </a:spcBef>
+              <a:spcAft>
+                <a:spcPts val="0"/>
+              </a:spcAft>
+              <a:buSzPct val="100000"/>
+              <a:buFont typeface="Arial" pitchFamily="34"/>
+              <a:buChar char="–"/>
+              <a:tabLst/>
+              <a:defRPr lang="de-DE" sz="2200" b="0" i="0" u="none" strike="noStrike" kern="1200" cap="none" spc="0" baseline="0">
+                <a:solidFill>
+                  <a:srgbClr val="000000"/>
+                </a:solidFill>
+                <a:uFillTx/>
+                <a:latin typeface="StoneSansITCStd Medium" pitchFamily="50"/>
+                <a:ea typeface="Arial Unicode MS" pitchFamily="34"/>
+                <a:cs typeface="Arial Unicode MS" pitchFamily="34"/>
+              </a:defRPr>
+            </a:lvl4pPr>
+            <a:lvl5pPr marL="1165229" marR="0" lvl="4" indent="-265111" algn="l" defTabSz="914400" rtl="0" fontAlgn="auto" hangingPunct="1">
+              <a:lnSpc>
+                <a:spcPct val="100000"/>
+              </a:lnSpc>
+              <a:spcBef>
+                <a:spcPts val="400"/>
+              </a:spcBef>
+              <a:spcAft>
+                <a:spcPts val="0"/>
+              </a:spcAft>
+              <a:buClr>
+                <a:srgbClr val="7F7F7F"/>
+              </a:buClr>
+              <a:buSzPct val="100000"/>
+              <a:buFont typeface="Symbol" pitchFamily="18"/>
+              <a:buChar char="-"/>
+              <a:tabLst/>
+              <a:defRPr lang="de-DE" sz="1800" b="0" i="0" u="none" strike="noStrike" kern="1200" cap="none" spc="0" baseline="0">
+                <a:solidFill>
+                  <a:srgbClr val="000000"/>
+                </a:solidFill>
+                <a:uFillTx/>
+                <a:latin typeface="StoneSansITCStd Medium" pitchFamily="50"/>
+              </a:defRPr>
+            </a:lvl5pPr>
+            <a:lvl6pPr marL="2514600" indent="-228600" algn="l" defTabSz="914400" rtl="0" eaLnBrk="1" latinLnBrk="0" hangingPunct="1">
+              <a:lnSpc>
+                <a:spcPct val="90000"/>
+              </a:lnSpc>
+              <a:spcBef>
+                <a:spcPts val="500"/>
+              </a:spcBef>
+              <a:buFont typeface="Arial" panose="020B0604020202020204" pitchFamily="34" charset="0"/>
+              <a:buChar char="•"/>
+              <a:defRPr sz="1800" kern="1200">
+                <a:solidFill>
+                  <a:schemeClr val="tx1"/>
+                </a:solidFill>
+                <a:latin typeface="+mn-lt"/>
+                <a:ea typeface="+mn-ea"/>
+                <a:cs typeface="+mn-cs"/>
+              </a:defRPr>
+            </a:lvl6pPr>
+            <a:lvl7pPr marL="2971800" indent="-228600" algn="l" defTabSz="914400" rtl="0" eaLnBrk="1" latinLnBrk="0" hangingPunct="1">
+              <a:lnSpc>
+                <a:spcPct val="90000"/>
+              </a:lnSpc>
+              <a:spcBef>
+                <a:spcPts val="500"/>
+              </a:spcBef>
+              <a:buFont typeface="Arial" panose="020B0604020202020204" pitchFamily="34" charset="0"/>
+              <a:buChar char="•"/>
+              <a:defRPr sz="1800" kern="1200">
+                <a:solidFill>
+                  <a:schemeClr val="tx1"/>
+                </a:solidFill>
+                <a:latin typeface="+mn-lt"/>
+                <a:ea typeface="+mn-ea"/>
+                <a:cs typeface="+mn-cs"/>
+              </a:defRPr>
+            </a:lvl7pPr>
+            <a:lvl8pPr marL="3429000" indent="-228600" algn="l" defTabSz="914400" rtl="0" eaLnBrk="1" latinLnBrk="0" hangingPunct="1">
+              <a:lnSpc>
+                <a:spcPct val="90000"/>
+              </a:lnSpc>
+              <a:spcBef>
+                <a:spcPts val="500"/>
+              </a:spcBef>
+              <a:buFont typeface="Arial" panose="020B0604020202020204" pitchFamily="34" charset="0"/>
+              <a:buChar char="•"/>
+              <a:defRPr sz="1800" kern="1200">
+                <a:solidFill>
+                  <a:schemeClr val="tx1"/>
+                </a:solidFill>
+                <a:latin typeface="+mn-lt"/>
+                <a:ea typeface="+mn-ea"/>
+                <a:cs typeface="+mn-cs"/>
+              </a:defRPr>
+            </a:lvl8pPr>
+            <a:lvl9pPr marL="3886200" indent="-228600" algn="l" defTabSz="914400" rtl="0" eaLnBrk="1" latinLnBrk="0" hangingPunct="1">
+              <a:lnSpc>
+                <a:spcPct val="90000"/>
+              </a:lnSpc>
+              <a:spcBef>
+                <a:spcPts val="500"/>
+              </a:spcBef>
+              <a:buFont typeface="Arial" panose="020B0604020202020204" pitchFamily="34" charset="0"/>
+              <a:buChar char="•"/>
+              <a:defRPr sz="1800" kern="1200">
+                <a:solidFill>
+                  <a:schemeClr val="tx1"/>
+                </a:solidFill>
+                <a:latin typeface="+mn-lt"/>
+                <a:ea typeface="+mn-ea"/>
+                <a:cs typeface="+mn-cs"/>
+              </a:defRPr>
+            </a:lvl9pPr>
+          </a:lstStyle>
+          <a:p>
+            <a:r>
+              <a:rPr lang="en-GB" sz="2800" dirty="0"/>
+              <a:t>Not able to overwrite Variables</a:t>
+            </a:r>
+          </a:p>
+          <a:p>
+            <a:r>
+              <a:rPr lang="en-GB" dirty="0">
+                <a:sym typeface="Wingdings" panose="05000000000000000000" pitchFamily="2" charset="2"/>
+              </a:rPr>
+              <a:t></a:t>
+            </a:r>
+            <a:endParaRPr lang="de-DE" dirty="0"/>
+          </a:p>
+        </p:txBody>
+      </p:sp>
+      <p:pic>
+        <p:nvPicPr>
+          <p:cNvPr id="5" name="Picture 4">
+            <a:extLst>
+              <a:ext uri="{FF2B5EF4-FFF2-40B4-BE49-F238E27FC236}">
+                <a16:creationId xmlns:a16="http://schemas.microsoft.com/office/drawing/2014/main" id="{C2A684BA-335D-4EF2-8444-121885C31E17}"/>
+              </a:ext>
+            </a:extLst>
+          </p:cNvPr>
+          <p:cNvPicPr>
+            <a:picLocks noChangeAspect="1"/>
+          </p:cNvPicPr>
+          <p:nvPr/>
+        </p:nvPicPr>
+        <p:blipFill>
+          <a:blip r:embed="rId2"/>
+          <a:stretch>
+            <a:fillRect/>
+          </a:stretch>
+        </p:blipFill>
+        <p:spPr>
+          <a:xfrm>
+            <a:off x="3641195" y="103646"/>
+            <a:ext cx="4924581" cy="1191793"/>
+          </a:xfrm>
+          <a:prstGeom prst="rect">
+            <a:avLst/>
+          </a:prstGeom>
+        </p:spPr>
+      </p:pic>
     </p:spTree>
     <p:extLst>
       <p:ext uri="{BB962C8B-B14F-4D97-AF65-F5344CB8AC3E}">
@@ -4919,11 +4984,7 @@
           <a:p>
             <a:r>
               <a:rPr lang="de-DE" dirty="0"/>
-              <a:t>Future </a:t>
-            </a:r>
-            <a:r>
-              <a:rPr lang="de-DE" dirty="0" err="1"/>
-              <a:t>plans</a:t>
+              <a:t>Future plans</a:t>
             </a:r>
             <a:endParaRPr lang="en-GB" dirty="0"/>
           </a:p>
@@ -5171,6 +5232,27 @@
               <a:rPr lang="en-GB" sz="1800" dirty="0"/>
               <a:t>Communication</a:t>
             </a:r>
+          </a:p>
+          <a:p>
+            <a:pPr lvl="1"/>
+            <a:endParaRPr lang="en-GB" sz="1800" dirty="0"/>
+          </a:p>
+          <a:p>
+            <a:r>
+              <a:rPr lang="en-GB" sz="2000" dirty="0"/>
+              <a:t>Understand tasks to c</a:t>
+            </a:r>
+            <a:r>
+              <a:rPr lang="en-GB" sz="1800" dirty="0"/>
+              <a:t>omplete tasks</a:t>
+            </a:r>
+          </a:p>
+          <a:p>
+            <a:pPr lvl="1"/>
+            <a:endParaRPr lang="en-GB" sz="1800" dirty="0"/>
+          </a:p>
+          <a:p>
+            <a:endParaRPr lang="en-GB" sz="2000" dirty="0"/>
           </a:p>
           <a:p>
             <a:pPr lvl="1"/>
